--- a/TeamReportSlides/第二组/第二组-团队报告-第八周.pptx
+++ b/TeamReportSlides/第二组/第二组-团队报告-第八周.pptx
@@ -5,10 +5,10 @@
     <p:sldMasterId id="2147483648" r:id="rId2"/>
   </p:sldMasterIdLst>
   <p:notesMasterIdLst>
-    <p:notesMasterId r:id="rId10"/>
+    <p:notesMasterId r:id="rId11"/>
   </p:notesMasterIdLst>
   <p:handoutMasterIdLst>
-    <p:handoutMasterId r:id="rId11"/>
+    <p:handoutMasterId r:id="rId12"/>
   </p:handoutMasterIdLst>
   <p:sldIdLst>
     <p:sldId id="258" r:id="rId3"/>
@@ -17,7 +17,8 @@
     <p:sldId id="261" r:id="rId6"/>
     <p:sldId id="266" r:id="rId7"/>
     <p:sldId id="270" r:id="rId8"/>
-    <p:sldId id="271" r:id="rId9"/>
+    <p:sldId id="272" r:id="rId9"/>
+    <p:sldId id="271" r:id="rId10"/>
   </p:sldIdLst>
   <p:sldSz cx="12192000" cy="6858000"/>
   <p:notesSz cx="6858000" cy="9144000"/>
@@ -209,7 +210,7 @@
           <a:p>
             <a:fld id="{A86409B0-8AC5-4972-B928-B810ED7C4C64}" type="datetimeFigureOut">
               <a:rPr lang="en-US" altLang="zh-CN" smtClean="0"/>
-              <a:t>11/5/2017</a:t>
+              <a:t>11/6/2017</a:t>
             </a:fld>
             <a:endParaRPr lang="zh-CN"/>
           </a:p>
@@ -373,7 +374,7 @@
           </a:lstStyle>
           <a:p>
             <a:fld id="{39C9F228-FD28-4486-B12E-CC8CCDA7B98E}" type="datetimeFigureOut">
-              <a:t>2017/11/5</a:t>
+              <a:t>2017/11/6</a:t>
             </a:fld>
             <a:endParaRPr lang="zh-CN"/>
           </a:p>
@@ -939,7 +940,7 @@
           <a:lstStyle/>
           <a:p>
             <a:fld id="{F077BB9F-04DD-4BEC-B746-E3998C50229B}" type="datetime1">
-              <a:t>2017/11/5</a:t>
+              <a:t>2017/11/6</a:t>
             </a:fld>
             <a:endParaRPr lang="zh-CN"/>
           </a:p>
@@ -1186,7 +1187,7 @@
           <a:lstStyle/>
           <a:p>
             <a:fld id="{5B784123-CFCC-4353-8B30-DE0CCE4E62CF}" type="datetime1">
-              <a:t>2017/11/5</a:t>
+              <a:t>2017/11/6</a:t>
             </a:fld>
             <a:endParaRPr lang="zh-CN"/>
           </a:p>
@@ -1366,7 +1367,7 @@
           <a:lstStyle/>
           <a:p>
             <a:fld id="{061C3574-5682-4D4A-B7D7-D09D32527D76}" type="datetime1">
-              <a:t>2017/11/5</a:t>
+              <a:t>2017/11/6</a:t>
             </a:fld>
             <a:endParaRPr lang="zh-CN"/>
           </a:p>
@@ -2592,7 +2593,7 @@
           <a:lstStyle/>
           <a:p>
             <a:fld id="{3EF55E9A-42F9-486F-9660-92EBA8EB8FE1}" type="datetime1">
-              <a:t>2017/11/5</a:t>
+              <a:t>2017/11/6</a:t>
             </a:fld>
             <a:endParaRPr lang="zh-CN"/>
           </a:p>
@@ -2964,7 +2965,7 @@
           <a:lstStyle/>
           <a:p>
             <a:fld id="{B7532E85-1C3E-47BF-9080-3288461E28F3}" type="datetime1">
-              <a:t>2017/11/5</a:t>
+              <a:t>2017/11/6</a:t>
             </a:fld>
             <a:endParaRPr lang="zh-CN"/>
           </a:p>
@@ -3092,7 +3093,7 @@
           <a:lstStyle/>
           <a:p>
             <a:fld id="{A61D36C9-2413-4908-B4FF-B601868ED00B}" type="datetime1">
-              <a:t>2017/11/5</a:t>
+              <a:t>2017/11/6</a:t>
             </a:fld>
             <a:endParaRPr lang="zh-CN"/>
           </a:p>
@@ -3857,7 +3858,7 @@
           <a:lstStyle/>
           <a:p>
             <a:fld id="{D1A10925-201A-4743-8853-90813EDB94FD}" type="datetime1">
-              <a:t>2017/11/5</a:t>
+              <a:t>2017/11/6</a:t>
             </a:fld>
             <a:endParaRPr lang="zh-CN"/>
           </a:p>
@@ -4143,7 +4144,7 @@
           <a:lstStyle/>
           <a:p>
             <a:fld id="{8029BC20-88B9-463E-BD09-C473B6CD8F2E}" type="datetime1">
-              <a:t>2017/11/5</a:t>
+              <a:t>2017/11/6</a:t>
             </a:fld>
             <a:endParaRPr lang="zh-CN"/>
           </a:p>
@@ -5290,7 +5291,7 @@
             <a:fld id="{FDB05499-8E1A-487C-B00A-20F31C550463}" type="datetime1">
               <a:rPr lang="en-US" altLang="zh-CN" smtClean="0"/>
               <a:pPr/>
-              <a:t>11/5/2017</a:t>
+              <a:t>11/6/2017</a:t>
             </a:fld>
             <a:endParaRPr lang="zh-CN" altLang="en-US"/>
           </a:p>
@@ -5952,7 +5953,7 @@
           <a:p>
             <a:r>
               <a:rPr lang="zh-CN" altLang="en-US" dirty="0" smtClean="0"/>
-              <a:t>逻辑模型</a:t>
+              <a:t>逻辑模型的介绍</a:t>
             </a:r>
             <a:endParaRPr lang="en-US" altLang="zh-CN" dirty="0"/>
           </a:p>
@@ -5960,6 +5961,13 @@
             <a:r>
               <a:rPr lang="zh-CN" altLang="en-US" dirty="0" smtClean="0"/>
               <a:t>参考文献的添加及词条的编辑</a:t>
+            </a:r>
+            <a:endParaRPr lang="en-US" altLang="zh-CN" dirty="0" smtClean="0"/>
+          </a:p>
+          <a:p>
+            <a:r>
+              <a:rPr lang="zh-CN" altLang="en-US" dirty="0" smtClean="0"/>
+              <a:t>阅读翻译图书的感想</a:t>
             </a:r>
             <a:endParaRPr lang="zh-CN" dirty="0" smtClean="0"/>
           </a:p>
@@ -6261,7 +6269,7 @@
         </p:nvSpPr>
         <p:spPr>
           <a:xfrm>
-            <a:off x="1371600" y="-146275"/>
+            <a:off x="1249680" y="-420595"/>
             <a:ext cx="9448800" cy="1097280"/>
           </a:xfrm>
         </p:spPr>
@@ -6292,8 +6300,8 @@
         </p:blipFill>
         <p:spPr>
           <a:xfrm>
-            <a:off x="2011680" y="951005"/>
-            <a:ext cx="8686800" cy="5705746"/>
+            <a:off x="1711234" y="676685"/>
+            <a:ext cx="9410838" cy="6181315"/>
           </a:xfrm>
           <a:prstGeom prst="rect">
             <a:avLst/>
@@ -6864,7 +6872,7 @@
         <p:spPr>
           <a:xfrm>
             <a:off x="2756263" y="4035988"/>
-            <a:ext cx="966651" cy="923330"/>
+            <a:ext cx="966651" cy="1477328"/>
           </a:xfrm>
           <a:prstGeom prst="rect">
             <a:avLst/>
@@ -6879,7 +6887,7 @@
           <a:p>
             <a:r>
               <a:rPr lang="zh-CN" altLang="en-US" dirty="0" smtClean="0"/>
-              <a:t>量子力学和粒子实验</a:t>
+              <a:t>量子力学、粒子实验以及引力效应</a:t>
             </a:r>
             <a:endParaRPr lang="zh-CN" altLang="en-US" dirty="0"/>
           </a:p>
@@ -6950,6 +6958,66 @@
             <a:r>
               <a:rPr lang="zh-CN" altLang="en-US" dirty="0" smtClean="0"/>
               <a:t>超对称理论：预测还有新一级别的粒子产生</a:t>
+            </a:r>
+            <a:endParaRPr lang="zh-CN" altLang="en-US" dirty="0"/>
+          </a:p>
+        </p:txBody>
+      </p:sp>
+      <p:sp>
+        <p:nvSpPr>
+          <p:cNvPr id="3" name="文本框 2"/>
+          <p:cNvSpPr txBox="1"/>
+          <p:nvPr/>
+        </p:nvSpPr>
+        <p:spPr>
+          <a:xfrm>
+            <a:off x="3314700" y="2932848"/>
+            <a:ext cx="222068" cy="646331"/>
+          </a:xfrm>
+          <a:prstGeom prst="rect">
+            <a:avLst/>
+          </a:prstGeom>
+          <a:noFill/>
+        </p:spPr>
+        <p:txBody>
+          <a:bodyPr wrap="square" rtlCol="0">
+            <a:spAutoFit/>
+          </a:bodyPr>
+          <a:lstStyle/>
+          <a:p>
+            <a:r>
+              <a:rPr lang="zh-CN" altLang="en-US" dirty="0" smtClean="0"/>
+              <a:t>促进</a:t>
+            </a:r>
+            <a:endParaRPr lang="zh-CN" altLang="en-US" dirty="0"/>
+          </a:p>
+        </p:txBody>
+      </p:sp>
+      <p:sp>
+        <p:nvSpPr>
+          <p:cNvPr id="4" name="文本框 3"/>
+          <p:cNvSpPr txBox="1"/>
+          <p:nvPr/>
+        </p:nvSpPr>
+        <p:spPr>
+          <a:xfrm>
+            <a:off x="7707082" y="3049125"/>
+            <a:ext cx="248191" cy="1477328"/>
+          </a:xfrm>
+          <a:prstGeom prst="rect">
+            <a:avLst/>
+          </a:prstGeom>
+          <a:noFill/>
+        </p:spPr>
+        <p:txBody>
+          <a:bodyPr wrap="square" rtlCol="0">
+            <a:spAutoFit/>
+          </a:bodyPr>
+          <a:lstStyle/>
+          <a:p>
+            <a:r>
+              <a:rPr lang="zh-CN" altLang="en-US" dirty="0" smtClean="0"/>
+              <a:t>反驳、冲击</a:t>
             </a:r>
             <a:endParaRPr lang="zh-CN" altLang="en-US" dirty="0"/>
           </a:p>
@@ -7007,9 +7075,257 @@
             <p:ph type="title"/>
           </p:nvPr>
         </p:nvSpPr>
+        <p:spPr/>
+        <p:txBody>
+          <a:bodyPr/>
+          <a:lstStyle/>
+          <a:p>
+            <a:r>
+              <a:rPr lang="zh-CN" altLang="en-US" dirty="0" smtClean="0"/>
+              <a:t>阅读翻译感悟</a:t>
+            </a:r>
+            <a:endParaRPr lang="zh-CN" altLang="en-US" dirty="0"/>
+          </a:p>
+        </p:txBody>
+      </p:sp>
+      <p:sp>
+        <p:nvSpPr>
+          <p:cNvPr id="3" name="文本框 2"/>
+          <p:cNvSpPr txBox="1"/>
+          <p:nvPr/>
+        </p:nvSpPr>
         <p:spPr>
           <a:xfrm>
-            <a:off x="4023360" y="2745377"/>
+            <a:off x="1284515" y="1778726"/>
+            <a:ext cx="9535885" cy="3662541"/>
+          </a:xfrm>
+          <a:prstGeom prst="rect">
+            <a:avLst/>
+          </a:prstGeom>
+          <a:noFill/>
+        </p:spPr>
+        <p:txBody>
+          <a:bodyPr wrap="square" rtlCol="0">
+            <a:spAutoFit/>
+          </a:bodyPr>
+          <a:lstStyle/>
+          <a:p>
+            <a:pPr marL="342900" lvl="0" indent="-342900" eaLnBrk="0" fontAlgn="base" hangingPunct="0">
+              <a:spcBef>
+                <a:spcPct val="0"/>
+              </a:spcBef>
+              <a:spcAft>
+                <a:spcPct val="0"/>
+              </a:spcAft>
+              <a:buFont typeface="Arial" panose="020B0604020202020204" pitchFamily="34" charset="0"/>
+              <a:buChar char="•"/>
+            </a:pPr>
+            <a:r>
+              <a:rPr lang="zh-CN" altLang="zh-CN" sz="2400" dirty="0">
+                <a:latin typeface="Arial Unicode MS"/>
+                <a:ea typeface="Courier New" panose="02070309020205020404" pitchFamily="49" charset="0"/>
+              </a:rPr>
+              <a:t>作者通过对现代物理学许多基本概念的阐述</a:t>
+            </a:r>
+            <a:r>
+              <a:rPr lang="zh-CN" altLang="zh-CN" sz="2400" dirty="0" smtClean="0">
+                <a:latin typeface="Arial Unicode MS"/>
+                <a:ea typeface="Courier New" panose="02070309020205020404" pitchFamily="49" charset="0"/>
+              </a:rPr>
+              <a:t>，</a:t>
+            </a:r>
+            <a:r>
+              <a:rPr lang="zh-CN" altLang="en-US" sz="2400" dirty="0" smtClean="0">
+                <a:latin typeface="Arial Unicode MS"/>
+                <a:ea typeface="Courier New" panose="02070309020205020404" pitchFamily="49" charset="0"/>
+              </a:rPr>
+              <a:t>从人物、科技、机构三方面</a:t>
+            </a:r>
+            <a:r>
+              <a:rPr lang="zh-CN" altLang="zh-CN" sz="2400" dirty="0" smtClean="0">
+                <a:latin typeface="Arial Unicode MS"/>
+                <a:ea typeface="Courier New" panose="02070309020205020404" pitchFamily="49" charset="0"/>
+              </a:rPr>
+              <a:t>为</a:t>
+            </a:r>
+            <a:r>
+              <a:rPr lang="zh-CN" altLang="zh-CN" sz="2400" dirty="0">
+                <a:latin typeface="Arial Unicode MS"/>
+                <a:ea typeface="Courier New" panose="02070309020205020404" pitchFamily="49" charset="0"/>
+              </a:rPr>
+              <a:t>读者们构建现代物理学的</a:t>
+            </a:r>
+            <a:r>
+              <a:rPr lang="zh-CN" altLang="zh-CN" sz="2400" dirty="0" smtClean="0">
+                <a:latin typeface="Arial Unicode MS"/>
+                <a:ea typeface="Courier New" panose="02070309020205020404" pitchFamily="49" charset="0"/>
+              </a:rPr>
+              <a:t>框架</a:t>
+            </a:r>
+            <a:endParaRPr lang="en-US" altLang="zh-CN" sz="2400" dirty="0" smtClean="0">
+              <a:latin typeface="Arial Unicode MS"/>
+              <a:ea typeface="Courier New" panose="02070309020205020404" pitchFamily="49" charset="0"/>
+            </a:endParaRPr>
+          </a:p>
+          <a:p>
+            <a:pPr marL="342900" lvl="0" indent="-342900" eaLnBrk="0" fontAlgn="base" hangingPunct="0">
+              <a:spcBef>
+                <a:spcPct val="0"/>
+              </a:spcBef>
+              <a:spcAft>
+                <a:spcPct val="0"/>
+              </a:spcAft>
+              <a:buFont typeface="Arial" panose="020B0604020202020204" pitchFamily="34" charset="0"/>
+              <a:buChar char="•"/>
+            </a:pPr>
+            <a:endParaRPr lang="en-US" altLang="zh-CN" sz="2400" dirty="0" smtClean="0">
+              <a:latin typeface="Arial Unicode MS"/>
+              <a:ea typeface="Courier New" panose="02070309020205020404" pitchFamily="49" charset="0"/>
+            </a:endParaRPr>
+          </a:p>
+          <a:p>
+            <a:pPr marL="342900" indent="-342900" eaLnBrk="0" fontAlgn="base" hangingPunct="0">
+              <a:spcBef>
+                <a:spcPct val="0"/>
+              </a:spcBef>
+              <a:spcAft>
+                <a:spcPct val="0"/>
+              </a:spcAft>
+              <a:buFont typeface="Arial" panose="020B0604020202020204" pitchFamily="34" charset="0"/>
+              <a:buChar char="•"/>
+            </a:pPr>
+            <a:r>
+              <a:rPr lang="zh-CN" altLang="zh-CN" sz="2400" dirty="0">
+                <a:latin typeface="Courier New" panose="02070309020205020404" pitchFamily="49" charset="0"/>
+                <a:cs typeface="Courier New" panose="02070309020205020404" pitchFamily="49" charset="0"/>
+              </a:rPr>
+              <a:t>书中语言风趣幽默，大量使用隐喻的手法，用人们生活中的常见现象来比喻复杂难懂的物理学概念，易于人们理解</a:t>
+            </a:r>
+            <a:r>
+              <a:rPr lang="zh-CN" altLang="zh-CN" sz="2400" dirty="0" smtClean="0">
+                <a:latin typeface="Courier New" panose="02070309020205020404" pitchFamily="49" charset="0"/>
+                <a:cs typeface="Courier New" panose="02070309020205020404" pitchFamily="49" charset="0"/>
+              </a:rPr>
+              <a:t>接受</a:t>
+            </a:r>
+            <a:endParaRPr lang="en-US" altLang="zh-CN" sz="2400" dirty="0" smtClean="0">
+              <a:latin typeface="Courier New" panose="02070309020205020404" pitchFamily="49" charset="0"/>
+              <a:cs typeface="Courier New" panose="02070309020205020404" pitchFamily="49" charset="0"/>
+            </a:endParaRPr>
+          </a:p>
+          <a:p>
+            <a:pPr eaLnBrk="0" fontAlgn="base" hangingPunct="0">
+              <a:spcBef>
+                <a:spcPct val="0"/>
+              </a:spcBef>
+              <a:spcAft>
+                <a:spcPct val="0"/>
+              </a:spcAft>
+            </a:pPr>
+            <a:r>
+              <a:rPr lang="zh-CN" altLang="zh-CN" sz="2400" dirty="0" smtClean="0"/>
+              <a:t> </a:t>
+            </a:r>
+            <a:endParaRPr lang="zh-CN" altLang="zh-CN" sz="2400" dirty="0">
+              <a:latin typeface="Arial" panose="020B0604020202020204" pitchFamily="34" charset="0"/>
+            </a:endParaRPr>
+          </a:p>
+          <a:p>
+            <a:pPr marL="342900" indent="-342900" eaLnBrk="0" fontAlgn="base" hangingPunct="0">
+              <a:spcBef>
+                <a:spcPct val="0"/>
+              </a:spcBef>
+              <a:spcAft>
+                <a:spcPct val="0"/>
+              </a:spcAft>
+              <a:buFont typeface="Arial" panose="020B0604020202020204" pitchFamily="34" charset="0"/>
+              <a:buChar char="•"/>
+            </a:pPr>
+            <a:r>
+              <a:rPr lang="zh-CN" altLang="zh-CN" sz="2400" dirty="0">
+                <a:latin typeface="Courier New" panose="02070309020205020404" pitchFamily="49" charset="0"/>
+                <a:cs typeface="Courier New" panose="02070309020205020404" pitchFamily="49" charset="0"/>
+              </a:rPr>
+              <a:t>许多跨学科认知的概念都来自物理学，本书内容本身就为跨学科认知的发展提供了良好的语言和知识素材</a:t>
+            </a:r>
+            <a:r>
+              <a:rPr lang="zh-CN" altLang="zh-CN" sz="2400" dirty="0"/>
+              <a:t> </a:t>
+            </a:r>
+            <a:endParaRPr lang="zh-CN" altLang="zh-CN" sz="2400" dirty="0">
+              <a:latin typeface="Arial" panose="020B0604020202020204" pitchFamily="34" charset="0"/>
+            </a:endParaRPr>
+          </a:p>
+          <a:p>
+            <a:pPr lvl="0" eaLnBrk="0" fontAlgn="base" hangingPunct="0">
+              <a:spcBef>
+                <a:spcPct val="0"/>
+              </a:spcBef>
+              <a:spcAft>
+                <a:spcPct val="0"/>
+              </a:spcAft>
+            </a:pPr>
+            <a:endParaRPr lang="zh-CN" altLang="zh-CN" sz="4000" dirty="0">
+              <a:latin typeface="Arial" panose="020B0604020202020204" pitchFamily="34" charset="0"/>
+            </a:endParaRPr>
+          </a:p>
+        </p:txBody>
+      </p:sp>
+    </p:spTree>
+    <p:extLst>
+      <p:ext uri="{BB962C8B-B14F-4D97-AF65-F5344CB8AC3E}">
+        <p14:creationId xmlns:p14="http://schemas.microsoft.com/office/powerpoint/2010/main" val="3321346727"/>
+      </p:ext>
+    </p:extLst>
+  </p:cSld>
+  <p:clrMapOvr>
+    <a:masterClrMapping/>
+  </p:clrMapOvr>
+  <mc:AlternateContent xmlns:mc="http://schemas.openxmlformats.org/markup-compatibility/2006" xmlns:p14="http://schemas.microsoft.com/office/powerpoint/2010/main">
+    <mc:Choice Requires="p14">
+      <p:transition spd="med" p14:dur="700">
+        <p:fade/>
+      </p:transition>
+    </mc:Choice>
+    <mc:Fallback xmlns="">
+      <p:transition spd="med">
+        <p:fade/>
+      </p:transition>
+    </mc:Fallback>
+  </mc:AlternateContent>
+</p:sld>
+</file>
+
+<file path=ppt/slides/slide8.xml><?xml version="1.0" encoding="utf-8"?>
+<p:sld xmlns:a="http://schemas.openxmlformats.org/drawingml/2006/main" xmlns:r="http://schemas.openxmlformats.org/officeDocument/2006/relationships" xmlns:p="http://schemas.openxmlformats.org/presentationml/2006/main">
+  <p:cSld>
+    <p:spTree>
+      <p:nvGrpSpPr>
+        <p:cNvPr id="1" name=""/>
+        <p:cNvGrpSpPr/>
+        <p:nvPr/>
+      </p:nvGrpSpPr>
+      <p:grpSpPr>
+        <a:xfrm>
+          <a:off x="0" y="0"/>
+          <a:ext cx="0" cy="0"/>
+          <a:chOff x="0" y="0"/>
+          <a:chExt cx="0" cy="0"/>
+        </a:xfrm>
+      </p:grpSpPr>
+      <p:sp>
+        <p:nvSpPr>
+          <p:cNvPr id="2" name="标题 1"/>
+          <p:cNvSpPr>
+            <a:spLocks noGrp="1"/>
+          </p:cNvSpPr>
+          <p:nvPr>
+            <p:ph type="title"/>
+          </p:nvPr>
+        </p:nvSpPr>
+        <p:spPr>
+          <a:xfrm>
+            <a:off x="4389120" y="2836817"/>
             <a:ext cx="9448800" cy="1097280"/>
           </a:xfrm>
         </p:spPr>
